--- a/Parcial 3 POO/Presentación Composite.pptx
+++ b/Parcial 3 POO/Presentación Composite.pptx
@@ -12,6 +12,8 @@
     <p:sldId id="260" r:id="rId6"/>
     <p:sldId id="261" r:id="rId7"/>
     <p:sldId id="262" r:id="rId8"/>
+    <p:sldId id="263" r:id="rId9"/>
+    <p:sldId id="264" r:id="rId10"/>
   </p:sldIdLst>
   <p:sldSz cx="12192000" cy="6858000"/>
   <p:notesSz cx="6858000" cy="9144000"/>
@@ -274,7 +276,7 @@
           <a:p>
             <a:fld id="{02AC24A9-CCB6-4F8D-B8DB-C2F3692CFA5A}" type="datetimeFigureOut">
               <a:rPr lang="en-US" smtClean="0"/>
-              <a:t>6/7/2020</a:t>
+              <a:t>6/8/2020</a:t>
             </a:fld>
             <a:endParaRPr lang="en-US" dirty="0"/>
           </a:p>
@@ -644,7 +646,7 @@
           <a:p>
             <a:fld id="{02AC24A9-CCB6-4F8D-B8DB-C2F3692CFA5A}" type="datetimeFigureOut">
               <a:rPr lang="en-US" smtClean="0"/>
-              <a:t>6/7/2020</a:t>
+              <a:t>6/8/2020</a:t>
             </a:fld>
             <a:endParaRPr lang="en-US" dirty="0"/>
           </a:p>
@@ -853,7 +855,7 @@
           <a:p>
             <a:fld id="{02AC24A9-CCB6-4F8D-B8DB-C2F3692CFA5A}" type="datetimeFigureOut">
               <a:rPr lang="en-US" smtClean="0"/>
-              <a:t>6/7/2020</a:t>
+              <a:t>6/8/2020</a:t>
             </a:fld>
             <a:endParaRPr lang="en-US" dirty="0"/>
           </a:p>
@@ -1323,7 +1325,7 @@
           <a:p>
             <a:fld id="{02AC24A9-CCB6-4F8D-B8DB-C2F3692CFA5A}" type="datetimeFigureOut">
               <a:rPr lang="en-US" smtClean="0"/>
-              <a:t>6/7/2020</a:t>
+              <a:t>6/8/2020</a:t>
             </a:fld>
             <a:endParaRPr lang="en-US" dirty="0"/>
           </a:p>
@@ -1777,7 +1779,7 @@
           <a:p>
             <a:fld id="{02AC24A9-CCB6-4F8D-B8DB-C2F3692CFA5A}" type="datetimeFigureOut">
               <a:rPr lang="en-US" smtClean="0"/>
-              <a:t>6/7/2020</a:t>
+              <a:t>6/8/2020</a:t>
             </a:fld>
             <a:endParaRPr lang="en-US" dirty="0"/>
           </a:p>
@@ -2309,7 +2311,7 @@
           <a:p>
             <a:fld id="{02AC24A9-CCB6-4F8D-B8DB-C2F3692CFA5A}" type="datetimeFigureOut">
               <a:rPr lang="en-US" smtClean="0"/>
-              <a:t>6/7/2020</a:t>
+              <a:t>6/8/2020</a:t>
             </a:fld>
             <a:endParaRPr lang="en-US" dirty="0"/>
           </a:p>
@@ -3008,7 +3010,7 @@
           <a:p>
             <a:fld id="{02AC24A9-CCB6-4F8D-B8DB-C2F3692CFA5A}" type="datetimeFigureOut">
               <a:rPr lang="en-US" smtClean="0"/>
-              <a:t>6/7/2020</a:t>
+              <a:t>6/8/2020</a:t>
             </a:fld>
             <a:endParaRPr lang="en-US" dirty="0"/>
           </a:p>
@@ -3337,7 +3339,7 @@
           <a:p>
             <a:fld id="{02AC24A9-CCB6-4F8D-B8DB-C2F3692CFA5A}" type="datetimeFigureOut">
               <a:rPr lang="en-US" smtClean="0"/>
-              <a:t>6/7/2020</a:t>
+              <a:t>6/8/2020</a:t>
             </a:fld>
             <a:endParaRPr lang="en-US" dirty="0"/>
           </a:p>
@@ -3450,7 +3452,7 @@
           <a:p>
             <a:fld id="{02AC24A9-CCB6-4F8D-B8DB-C2F3692CFA5A}" type="datetimeFigureOut">
               <a:rPr lang="en-US" smtClean="0"/>
-              <a:t>6/7/2020</a:t>
+              <a:t>6/8/2020</a:t>
             </a:fld>
             <a:endParaRPr lang="en-US" dirty="0"/>
           </a:p>
@@ -3945,7 +3947,7 @@
           <a:p>
             <a:fld id="{02AC24A9-CCB6-4F8D-B8DB-C2F3692CFA5A}" type="datetimeFigureOut">
               <a:rPr lang="en-US" smtClean="0"/>
-              <a:t>6/7/2020</a:t>
+              <a:t>6/8/2020</a:t>
             </a:fld>
             <a:endParaRPr lang="en-US" dirty="0"/>
           </a:p>
@@ -4422,7 +4424,7 @@
           <a:p>
             <a:fld id="{02AC24A9-CCB6-4F8D-B8DB-C2F3692CFA5A}" type="datetimeFigureOut">
               <a:rPr lang="en-US" smtClean="0"/>
-              <a:t>6/7/2020</a:t>
+              <a:t>6/8/2020</a:t>
             </a:fld>
             <a:endParaRPr lang="en-US" dirty="0"/>
           </a:p>
@@ -4665,7 +4667,7 @@
           <a:p>
             <a:fld id="{02AC24A9-CCB6-4F8D-B8DB-C2F3692CFA5A}" type="datetimeFigureOut">
               <a:rPr lang="en-US" smtClean="0"/>
-              <a:t>6/7/2020</a:t>
+              <a:t>6/8/2020</a:t>
             </a:fld>
             <a:endParaRPr lang="en-US" dirty="0"/>
           </a:p>
@@ -8688,6 +8690,14 @@
 <file path=ppt/slides/slide7.xml><?xml version="1.0" encoding="utf-8"?>
 <p:sld xmlns:a="http://schemas.openxmlformats.org/drawingml/2006/main" xmlns:r="http://schemas.openxmlformats.org/officeDocument/2006/relationships" xmlns:p="http://schemas.openxmlformats.org/presentationml/2006/main">
   <p:cSld>
+    <p:bg>
+      <p:bgPr>
+        <a:solidFill>
+          <a:schemeClr val="bg1"/>
+        </a:solidFill>
+        <a:effectLst/>
+      </p:bgPr>
+    </p:bg>
     <p:spTree>
       <p:nvGrpSpPr>
         <p:cNvPr id="1" name=""/>
@@ -8702,6 +8712,168 @@
           <a:chExt cx="0" cy="0"/>
         </a:xfrm>
       </p:grpSpPr>
+      <p:sp useBgFill="1">
+        <p:nvSpPr>
+          <p:cNvPr id="36" name="Rectangle 35">
+            <a:extLst>
+              <a:ext uri="{FF2B5EF4-FFF2-40B4-BE49-F238E27FC236}">
+                <a16:creationId xmlns:a16="http://schemas.microsoft.com/office/drawing/2014/main" id="{2550BE34-C2B8-49B8-8519-67A8CAD51AE9}"/>
+              </a:ext>
+              <a:ext uri="{C183D7F6-B498-43B3-948B-1728B52AA6E4}">
+                <adec:decorative xmlns:adec="http://schemas.microsoft.com/office/drawing/2017/decorative" val="1"/>
+              </a:ext>
+            </a:extLst>
+          </p:cNvPr>
+          <p:cNvSpPr>
+            <a:spLocks noGrp="1" noRot="1" noChangeAspect="1" noMove="1" noResize="1" noEditPoints="1" noAdjustHandles="1" noChangeArrowheads="1" noChangeShapeType="1" noTextEdit="1"/>
+          </p:cNvSpPr>
+          <p:nvPr>
+            <p:extLst>
+              <p:ext uri="{386F3935-93C4-4BCD-93E2-E3B085C9AB24}">
+                <p16:designElem xmlns:p16="http://schemas.microsoft.com/office/powerpoint/2015/main" val="1"/>
+              </p:ext>
+            </p:extLst>
+          </p:nvPr>
+        </p:nvSpPr>
+        <p:spPr>
+          <a:xfrm>
+            <a:off x="0" y="0"/>
+            <a:ext cx="12192000" cy="6858000"/>
+          </a:xfrm>
+          <a:prstGeom prst="rect">
+            <a:avLst/>
+          </a:prstGeom>
+          <a:ln>
+            <a:noFill/>
+          </a:ln>
+        </p:spPr>
+        <p:style>
+          <a:lnRef idx="2">
+            <a:schemeClr val="accent1">
+              <a:shade val="50000"/>
+            </a:schemeClr>
+          </a:lnRef>
+          <a:fillRef idx="1">
+            <a:schemeClr val="accent1"/>
+          </a:fillRef>
+          <a:effectRef idx="0">
+            <a:schemeClr val="accent1"/>
+          </a:effectRef>
+          <a:fontRef idx="minor">
+            <a:schemeClr val="lt1"/>
+          </a:fontRef>
+        </p:style>
+        <p:txBody>
+          <a:bodyPr rtlCol="0" anchor="ctr"/>
+          <a:lstStyle/>
+          <a:p>
+            <a:pPr algn="ctr"/>
+            <a:endParaRPr lang="en-US"/>
+          </a:p>
+        </p:txBody>
+      </p:sp>
+      <p:sp useBgFill="1">
+        <p:nvSpPr>
+          <p:cNvPr id="38" name="Rectangle 37">
+            <a:extLst>
+              <a:ext uri="{FF2B5EF4-FFF2-40B4-BE49-F238E27FC236}">
+                <a16:creationId xmlns:a16="http://schemas.microsoft.com/office/drawing/2014/main" id="{A7457DD9-5A45-400A-AB4B-4B4EDECA25F1}"/>
+              </a:ext>
+              <a:ext uri="{C183D7F6-B498-43B3-948B-1728B52AA6E4}">
+                <adec:decorative xmlns:adec="http://schemas.microsoft.com/office/drawing/2017/decorative" val="1"/>
+              </a:ext>
+            </a:extLst>
+          </p:cNvPr>
+          <p:cNvSpPr>
+            <a:spLocks noGrp="1" noRot="1" noChangeAspect="1" noMove="1" noResize="1" noEditPoints="1" noAdjustHandles="1" noChangeArrowheads="1" noChangeShapeType="1" noTextEdit="1"/>
+          </p:cNvSpPr>
+          <p:nvPr>
+            <p:extLst>
+              <p:ext uri="{386F3935-93C4-4BCD-93E2-E3B085C9AB24}">
+                <p16:designElem xmlns:p16="http://schemas.microsoft.com/office/powerpoint/2015/main" val="1"/>
+              </p:ext>
+            </p:extLst>
+          </p:nvPr>
+        </p:nvSpPr>
+        <p:spPr>
+          <a:xfrm>
+            <a:off x="554416" y="365125"/>
+            <a:ext cx="11167447" cy="2089317"/>
+          </a:xfrm>
+          <a:prstGeom prst="rect">
+            <a:avLst/>
+          </a:prstGeom>
+          <a:ln w="12700">
+            <a:solidFill>
+              <a:schemeClr val="tx2">
+                <a:lumMod val="10000"/>
+                <a:lumOff val="90000"/>
+              </a:schemeClr>
+            </a:solidFill>
+          </a:ln>
+          <a:effectLst>
+            <a:outerShdw blurRad="50800" dist="38100" dir="2700000" algn="tl" rotWithShape="0">
+              <a:schemeClr val="bg2">
+                <a:lumMod val="85000"/>
+                <a:alpha val="30000"/>
+              </a:schemeClr>
+            </a:outerShdw>
+          </a:effectLst>
+        </p:spPr>
+        <p:style>
+          <a:lnRef idx="2">
+            <a:schemeClr val="accent1">
+              <a:shade val="50000"/>
+            </a:schemeClr>
+          </a:lnRef>
+          <a:fillRef idx="1">
+            <a:schemeClr val="accent1"/>
+          </a:fillRef>
+          <a:effectRef idx="0">
+            <a:schemeClr val="accent1"/>
+          </a:effectRef>
+          <a:fontRef idx="minor">
+            <a:schemeClr val="lt1"/>
+          </a:fontRef>
+        </p:style>
+        <p:txBody>
+          <a:bodyPr rtlCol="0" anchor="ctr"/>
+          <a:lstStyle/>
+          <a:p>
+            <a:pPr marL="0" marR="0" lvl="0" indent="0" algn="ctr" defTabSz="914400" rtl="0" eaLnBrk="1" fontAlgn="auto" latinLnBrk="0" hangingPunct="1">
+              <a:lnSpc>
+                <a:spcPct val="100000"/>
+              </a:lnSpc>
+              <a:spcBef>
+                <a:spcPts val="0"/>
+              </a:spcBef>
+              <a:spcAft>
+                <a:spcPts val="0"/>
+              </a:spcAft>
+              <a:buClrTx/>
+              <a:buSzTx/>
+              <a:buFontTx/>
+              <a:buNone/>
+              <a:tabLst/>
+              <a:defRPr/>
+            </a:pPr>
+            <a:endParaRPr kumimoji="0" lang="en-US" sz="1800" b="0" i="0" u="none" strike="noStrike" kern="1200" cap="none" spc="0" normalizeH="0" baseline="0" noProof="0">
+              <a:ln>
+                <a:noFill/>
+              </a:ln>
+              <a:solidFill>
+                <a:prstClr val="white"/>
+              </a:solidFill>
+              <a:effectLst/>
+              <a:uLnTx/>
+              <a:uFillTx/>
+              <a:latin typeface="Calibri" panose="020F0502020204030204"/>
+              <a:ea typeface="+mn-ea"/>
+              <a:cs typeface="+mn-cs"/>
+            </a:endParaRPr>
+          </a:p>
+        </p:txBody>
+      </p:sp>
       <p:sp>
         <p:nvSpPr>
           <p:cNvPr id="2" name="Título 1">
@@ -8718,40 +8890,249 @@
             <p:ph type="title"/>
           </p:nvPr>
         </p:nvSpPr>
-        <p:spPr/>
-        <p:txBody>
-          <a:bodyPr/>
-          <a:lstStyle/>
-          <a:p>
-            <a:endParaRPr lang="es-CO"/>
-          </a:p>
-        </p:txBody>
-      </p:sp>
-      <p:sp>
-        <p:nvSpPr>
-          <p:cNvPr id="3" name="Marcador de contenido 2">
-            <a:extLst>
-              <a:ext uri="{FF2B5EF4-FFF2-40B4-BE49-F238E27FC236}">
-                <a16:creationId xmlns:a16="http://schemas.microsoft.com/office/drawing/2014/main" id="{DE34D449-2E12-4BBA-A763-2241B8D71939}"/>
-              </a:ext>
-            </a:extLst>
-          </p:cNvPr>
-          <p:cNvSpPr>
-            <a:spLocks noGrp="1"/>
-          </p:cNvSpPr>
-          <p:nvPr>
-            <p:ph idx="1"/>
-          </p:nvPr>
-        </p:nvSpPr>
-        <p:spPr/>
-        <p:txBody>
-          <a:bodyPr/>
-          <a:lstStyle/>
-          <a:p>
-            <a:endParaRPr lang="es-CO"/>
-          </a:p>
-        </p:txBody>
-      </p:sp>
+        <p:spPr>
+          <a:xfrm>
+            <a:off x="1046746" y="586822"/>
+            <a:ext cx="3537285" cy="1645920"/>
+          </a:xfrm>
+        </p:spPr>
+        <p:txBody>
+          <a:bodyPr vert="horz" lIns="91440" tIns="45720" rIns="91440" bIns="45720" rtlCol="0">
+            <a:normAutofit/>
+          </a:bodyPr>
+          <a:lstStyle/>
+          <a:p>
+            <a:r>
+              <a:rPr lang="en-US" sz="3200"/>
+              <a:t>Diagrama UML de la solución errónea</a:t>
+            </a:r>
+          </a:p>
+        </p:txBody>
+      </p:sp>
+      <p:sp>
+        <p:nvSpPr>
+          <p:cNvPr id="40" name="Rectangle 39">
+            <a:extLst>
+              <a:ext uri="{FF2B5EF4-FFF2-40B4-BE49-F238E27FC236}">
+                <a16:creationId xmlns:a16="http://schemas.microsoft.com/office/drawing/2014/main" id="{441CF7D6-A660-431A-B0BB-140A0D5556B6}"/>
+              </a:ext>
+              <a:ext uri="{C183D7F6-B498-43B3-948B-1728B52AA6E4}">
+                <adec:decorative xmlns:adec="http://schemas.microsoft.com/office/drawing/2017/decorative" val="1"/>
+              </a:ext>
+            </a:extLst>
+          </p:cNvPr>
+          <p:cNvSpPr>
+            <a:spLocks noGrp="1" noRot="1" noChangeAspect="1" noMove="1" noResize="1" noEditPoints="1" noAdjustHandles="1" noChangeArrowheads="1" noChangeShapeType="1" noTextEdit="1"/>
+          </p:cNvSpPr>
+          <p:nvPr>
+            <p:extLst>
+              <p:ext uri="{386F3935-93C4-4BCD-93E2-E3B085C9AB24}">
+                <p16:designElem xmlns:p16="http://schemas.microsoft.com/office/powerpoint/2015/main" val="1"/>
+              </p:ext>
+            </p:extLst>
+          </p:nvPr>
+        </p:nvSpPr>
+        <p:spPr>
+          <a:xfrm>
+            <a:off x="490408" y="1057739"/>
+            <a:ext cx="128016" cy="704088"/>
+          </a:xfrm>
+          <a:prstGeom prst="rect">
+            <a:avLst/>
+          </a:prstGeom>
+          <a:solidFill>
+            <a:schemeClr val="accent1"/>
+          </a:solidFill>
+          <a:ln>
+            <a:noFill/>
+          </a:ln>
+        </p:spPr>
+        <p:style>
+          <a:lnRef idx="2">
+            <a:schemeClr val="accent1">
+              <a:shade val="50000"/>
+            </a:schemeClr>
+          </a:lnRef>
+          <a:fillRef idx="1">
+            <a:schemeClr val="accent1"/>
+          </a:fillRef>
+          <a:effectRef idx="0">
+            <a:schemeClr val="accent1"/>
+          </a:effectRef>
+          <a:fontRef idx="minor">
+            <a:schemeClr val="lt1"/>
+          </a:fontRef>
+        </p:style>
+        <p:txBody>
+          <a:bodyPr rtlCol="0" anchor="ctr"/>
+          <a:lstStyle/>
+          <a:p>
+            <a:pPr marL="0" marR="0" lvl="0" indent="0" algn="ctr" defTabSz="914400" rtl="0" eaLnBrk="1" fontAlgn="auto" latinLnBrk="0" hangingPunct="1">
+              <a:lnSpc>
+                <a:spcPct val="100000"/>
+              </a:lnSpc>
+              <a:spcBef>
+                <a:spcPts val="0"/>
+              </a:spcBef>
+              <a:spcAft>
+                <a:spcPts val="0"/>
+              </a:spcAft>
+              <a:buClrTx/>
+              <a:buSzTx/>
+              <a:buFontTx/>
+              <a:buNone/>
+              <a:tabLst/>
+              <a:defRPr/>
+            </a:pPr>
+            <a:endParaRPr kumimoji="0" lang="en-US" sz="1800" b="0" i="0" u="none" strike="noStrike" kern="1200" cap="none" spc="0" normalizeH="0" baseline="0" noProof="0" dirty="0">
+              <a:ln>
+                <a:noFill/>
+              </a:ln>
+              <a:solidFill>
+                <a:prstClr val="white"/>
+              </a:solidFill>
+              <a:effectLst/>
+              <a:uLnTx/>
+              <a:uFillTx/>
+              <a:latin typeface="Calibri" panose="020F0502020204030204"/>
+              <a:ea typeface="+mn-ea"/>
+              <a:cs typeface="+mn-cs"/>
+            </a:endParaRPr>
+          </a:p>
+        </p:txBody>
+      </p:sp>
+      <p:sp>
+        <p:nvSpPr>
+          <p:cNvPr id="42" name="Rectangle 41">
+            <a:extLst>
+              <a:ext uri="{FF2B5EF4-FFF2-40B4-BE49-F238E27FC236}">
+                <a16:creationId xmlns:a16="http://schemas.microsoft.com/office/drawing/2014/main" id="{0570A85B-3810-4F95-97B0-CBF4CCDB381C}"/>
+              </a:ext>
+              <a:ext uri="{C183D7F6-B498-43B3-948B-1728B52AA6E4}">
+                <adec:decorative xmlns:adec="http://schemas.microsoft.com/office/drawing/2017/decorative" val="1"/>
+              </a:ext>
+            </a:extLst>
+          </p:cNvPr>
+          <p:cNvSpPr>
+            <a:spLocks noGrp="1" noRot="1" noChangeAspect="1" noMove="1" noResize="1" noEditPoints="1" noAdjustHandles="1" noChangeArrowheads="1" noChangeShapeType="1" noTextEdit="1"/>
+          </p:cNvSpPr>
+          <p:nvPr>
+            <p:extLst>
+              <p:ext uri="{386F3935-93C4-4BCD-93E2-E3B085C9AB24}">
+                <p16:designElem xmlns:p16="http://schemas.microsoft.com/office/powerpoint/2015/main" val="1"/>
+              </p:ext>
+            </p:extLst>
+          </p:nvPr>
+        </p:nvSpPr>
+        <p:spPr>
+          <a:xfrm rot="5400000">
+            <a:off x="4248113" y="1405210"/>
+            <a:ext cx="1463040" cy="9144"/>
+          </a:xfrm>
+          <a:prstGeom prst="rect">
+            <a:avLst/>
+          </a:prstGeom>
+          <a:solidFill>
+            <a:schemeClr val="tx2">
+              <a:lumMod val="25000"/>
+              <a:lumOff val="75000"/>
+            </a:schemeClr>
+          </a:solidFill>
+          <a:ln w="3175">
+            <a:noFill/>
+          </a:ln>
+          <a:effectLst/>
+        </p:spPr>
+        <p:style>
+          <a:lnRef idx="2">
+            <a:schemeClr val="accent1">
+              <a:shade val="50000"/>
+            </a:schemeClr>
+          </a:lnRef>
+          <a:fillRef idx="1">
+            <a:schemeClr val="accent1"/>
+          </a:fillRef>
+          <a:effectRef idx="0">
+            <a:schemeClr val="accent1"/>
+          </a:effectRef>
+          <a:fontRef idx="minor">
+            <a:schemeClr val="lt1"/>
+          </a:fontRef>
+        </p:style>
+        <p:txBody>
+          <a:bodyPr rtlCol="0" anchor="ctr"/>
+          <a:lstStyle/>
+          <a:p>
+            <a:pPr marL="0" marR="0" lvl="0" indent="0" algn="ctr" defTabSz="914400" rtl="0" eaLnBrk="1" fontAlgn="auto" latinLnBrk="0" hangingPunct="1">
+              <a:lnSpc>
+                <a:spcPct val="100000"/>
+              </a:lnSpc>
+              <a:spcBef>
+                <a:spcPts val="0"/>
+              </a:spcBef>
+              <a:spcAft>
+                <a:spcPts val="0"/>
+              </a:spcAft>
+              <a:buClrTx/>
+              <a:buSzTx/>
+              <a:buFontTx/>
+              <a:buNone/>
+              <a:tabLst/>
+              <a:defRPr/>
+            </a:pPr>
+            <a:endParaRPr kumimoji="0" lang="en-US" sz="1800" b="0" i="0" u="none" strike="noStrike" kern="1200" cap="none" spc="0" normalizeH="0" baseline="0" noProof="0">
+              <a:ln>
+                <a:noFill/>
+              </a:ln>
+              <a:solidFill>
+                <a:prstClr val="white"/>
+              </a:solidFill>
+              <a:effectLst/>
+              <a:uLnTx/>
+              <a:uFillTx/>
+              <a:latin typeface="Calibri" panose="020F0502020204030204"/>
+              <a:ea typeface="+mn-ea"/>
+              <a:cs typeface="+mn-cs"/>
+            </a:endParaRPr>
+          </a:p>
+        </p:txBody>
+      </p:sp>
+      <p:pic>
+        <p:nvPicPr>
+          <p:cNvPr id="9" name="Imagen 8" descr="Captura de pantalla de un celular&#10;&#10;Descripción generada automáticamente">
+            <a:extLst>
+              <a:ext uri="{FF2B5EF4-FFF2-40B4-BE49-F238E27FC236}">
+                <a16:creationId xmlns:a16="http://schemas.microsoft.com/office/drawing/2014/main" id="{93594A79-2FF9-4A75-893C-47FAA479EABC}"/>
+              </a:ext>
+            </a:extLst>
+          </p:cNvPr>
+          <p:cNvPicPr>
+            <a:picLocks noChangeAspect="1"/>
+          </p:cNvPicPr>
+          <p:nvPr/>
+        </p:nvPicPr>
+        <p:blipFill>
+          <a:blip r:embed="rId2">
+            <a:extLst>
+              <a:ext uri="{28A0092B-C50C-407E-A947-70E740481C1C}">
+                <a14:useLocalDpi xmlns:a14="http://schemas.microsoft.com/office/drawing/2010/main" val="0"/>
+              </a:ext>
+            </a:extLst>
+          </a:blip>
+          <a:stretch>
+            <a:fillRect/>
+          </a:stretch>
+        </p:blipFill>
+        <p:spPr>
+          <a:xfrm>
+            <a:off x="2110433" y="2676139"/>
+            <a:ext cx="7971133" cy="3905856"/>
+          </a:xfrm>
+          <a:prstGeom prst="rect">
+            <a:avLst/>
+          </a:prstGeom>
+        </p:spPr>
+      </p:pic>
     </p:spTree>
     <p:extLst>
       <p:ext uri="{BB962C8B-B14F-4D97-AF65-F5344CB8AC3E}">
@@ -8761,6 +9142,1163 @@
   </p:cSld>
   <p:clrMapOvr>
     <a:masterClrMapping/>
+  </p:clrMapOvr>
+</p:sld>
+</file>
+
+<file path=ppt/slides/slide8.xml><?xml version="1.0" encoding="utf-8"?>
+<p:sld xmlns:a="http://schemas.openxmlformats.org/drawingml/2006/main" xmlns:r="http://schemas.openxmlformats.org/officeDocument/2006/relationships" xmlns:p="http://schemas.openxmlformats.org/presentationml/2006/main">
+  <p:cSld>
+    <p:bg>
+      <p:bgPr>
+        <a:solidFill>
+          <a:schemeClr val="bg1"/>
+        </a:solidFill>
+        <a:effectLst/>
+      </p:bgPr>
+    </p:bg>
+    <p:spTree>
+      <p:nvGrpSpPr>
+        <p:cNvPr id="1" name=""/>
+        <p:cNvGrpSpPr/>
+        <p:nvPr/>
+      </p:nvGrpSpPr>
+      <p:grpSpPr>
+        <a:xfrm>
+          <a:off x="0" y="0"/>
+          <a:ext cx="0" cy="0"/>
+          <a:chOff x="0" y="0"/>
+          <a:chExt cx="0" cy="0"/>
+        </a:xfrm>
+      </p:grpSpPr>
+      <p:sp>
+        <p:nvSpPr>
+          <p:cNvPr id="10" name="Rectangle 9">
+            <a:extLst>
+              <a:ext uri="{FF2B5EF4-FFF2-40B4-BE49-F238E27FC236}">
+                <a16:creationId xmlns:a16="http://schemas.microsoft.com/office/drawing/2014/main" id="{8D06CE56-3881-4ADA-8CEF-D18B02C242A3}"/>
+              </a:ext>
+              <a:ext uri="{C183D7F6-B498-43B3-948B-1728B52AA6E4}">
+                <adec:decorative xmlns:adec="http://schemas.microsoft.com/office/drawing/2017/decorative" val="1"/>
+              </a:ext>
+            </a:extLst>
+          </p:cNvPr>
+          <p:cNvSpPr>
+            <a:spLocks noGrp="1" noRot="1" noChangeAspect="1" noMove="1" noResize="1" noEditPoints="1" noAdjustHandles="1" noChangeArrowheads="1" noChangeShapeType="1" noTextEdit="1"/>
+          </p:cNvSpPr>
+          <p:nvPr>
+            <p:extLst>
+              <p:ext uri="{386F3935-93C4-4BCD-93E2-E3B085C9AB24}">
+                <p16:designElem xmlns:p16="http://schemas.microsoft.com/office/powerpoint/2015/main" val="1"/>
+              </p:ext>
+            </p:extLst>
+          </p:nvPr>
+        </p:nvSpPr>
+        <p:spPr>
+          <a:xfrm rot="5400000">
+            <a:off x="857544" y="346791"/>
+            <a:ext cx="146304" cy="704088"/>
+          </a:xfrm>
+          <a:prstGeom prst="rect">
+            <a:avLst/>
+          </a:prstGeom>
+          <a:solidFill>
+            <a:schemeClr val="accent1"/>
+          </a:solidFill>
+          <a:ln>
+            <a:noFill/>
+          </a:ln>
+        </p:spPr>
+        <p:style>
+          <a:lnRef idx="2">
+            <a:schemeClr val="accent1">
+              <a:shade val="50000"/>
+            </a:schemeClr>
+          </a:lnRef>
+          <a:fillRef idx="1">
+            <a:schemeClr val="accent1"/>
+          </a:fillRef>
+          <a:effectRef idx="0">
+            <a:schemeClr val="accent1"/>
+          </a:effectRef>
+          <a:fontRef idx="minor">
+            <a:schemeClr val="lt1"/>
+          </a:fontRef>
+        </p:style>
+        <p:txBody>
+          <a:bodyPr rtlCol="0" anchor="ctr"/>
+          <a:lstStyle/>
+          <a:p>
+            <a:pPr marL="0" marR="0" lvl="0" indent="0" algn="ctr" defTabSz="914400" rtl="0" eaLnBrk="1" fontAlgn="auto" latinLnBrk="0" hangingPunct="1">
+              <a:lnSpc>
+                <a:spcPct val="100000"/>
+              </a:lnSpc>
+              <a:spcBef>
+                <a:spcPts val="0"/>
+              </a:spcBef>
+              <a:spcAft>
+                <a:spcPts val="0"/>
+              </a:spcAft>
+              <a:buClrTx/>
+              <a:buSzTx/>
+              <a:buFontTx/>
+              <a:buNone/>
+              <a:tabLst/>
+              <a:defRPr/>
+            </a:pPr>
+            <a:endParaRPr kumimoji="0" lang="en-US" sz="1800" b="0" i="0" u="none" strike="noStrike" kern="1200" cap="none" spc="0" normalizeH="0" baseline="0" noProof="0">
+              <a:ln>
+                <a:noFill/>
+              </a:ln>
+              <a:solidFill>
+                <a:prstClr val="white"/>
+              </a:solidFill>
+              <a:effectLst/>
+              <a:uLnTx/>
+              <a:uFillTx/>
+              <a:latin typeface="Calibri" panose="020F0502020204030204"/>
+              <a:ea typeface="+mn-ea"/>
+              <a:cs typeface="+mn-cs"/>
+            </a:endParaRPr>
+          </a:p>
+        </p:txBody>
+      </p:sp>
+      <p:sp>
+        <p:nvSpPr>
+          <p:cNvPr id="12" name="Rectangle 11">
+            <a:extLst>
+              <a:ext uri="{FF2B5EF4-FFF2-40B4-BE49-F238E27FC236}">
+                <a16:creationId xmlns:a16="http://schemas.microsoft.com/office/drawing/2014/main" id="{79F3C543-62EC-4433-9C93-A2CD8764E9B4}"/>
+              </a:ext>
+              <a:ext uri="{C183D7F6-B498-43B3-948B-1728B52AA6E4}">
+                <adec:decorative xmlns:adec="http://schemas.microsoft.com/office/drawing/2017/decorative" val="1"/>
+              </a:ext>
+            </a:extLst>
+          </p:cNvPr>
+          <p:cNvSpPr>
+            <a:spLocks noGrp="1" noRot="1" noChangeAspect="1" noMove="1" noResize="1" noEditPoints="1" noAdjustHandles="1" noChangeArrowheads="1" noChangeShapeType="1" noTextEdit="1"/>
+          </p:cNvSpPr>
+          <p:nvPr>
+            <p:extLst>
+              <p:ext uri="{386F3935-93C4-4BCD-93E2-E3B085C9AB24}">
+                <p16:designElem xmlns:p16="http://schemas.microsoft.com/office/powerpoint/2015/main" val="1"/>
+              </p:ext>
+            </p:extLst>
+          </p:nvPr>
+        </p:nvSpPr>
+        <p:spPr>
+          <a:xfrm flipV="1">
+            <a:off x="578652" y="4501201"/>
+            <a:ext cx="11034696" cy="18288"/>
+          </a:xfrm>
+          <a:prstGeom prst="rect">
+            <a:avLst/>
+          </a:prstGeom>
+          <a:solidFill>
+            <a:schemeClr val="tx2">
+              <a:lumMod val="25000"/>
+              <a:lumOff val="75000"/>
+            </a:schemeClr>
+          </a:solidFill>
+          <a:ln w="3175">
+            <a:noFill/>
+          </a:ln>
+          <a:effectLst/>
+        </p:spPr>
+        <p:style>
+          <a:lnRef idx="2">
+            <a:schemeClr val="accent1">
+              <a:shade val="50000"/>
+            </a:schemeClr>
+          </a:lnRef>
+          <a:fillRef idx="1">
+            <a:schemeClr val="accent1"/>
+          </a:fillRef>
+          <a:effectRef idx="0">
+            <a:schemeClr val="accent1"/>
+          </a:effectRef>
+          <a:fontRef idx="minor">
+            <a:schemeClr val="lt1"/>
+          </a:fontRef>
+        </p:style>
+        <p:txBody>
+          <a:bodyPr rtlCol="0" anchor="ctr"/>
+          <a:lstStyle/>
+          <a:p>
+            <a:pPr marL="0" marR="0" lvl="0" indent="0" algn="ctr" defTabSz="914400" rtl="0" eaLnBrk="1" fontAlgn="auto" latinLnBrk="0" hangingPunct="1">
+              <a:lnSpc>
+                <a:spcPct val="100000"/>
+              </a:lnSpc>
+              <a:spcBef>
+                <a:spcPts val="0"/>
+              </a:spcBef>
+              <a:spcAft>
+                <a:spcPts val="0"/>
+              </a:spcAft>
+              <a:buClrTx/>
+              <a:buSzTx/>
+              <a:buFontTx/>
+              <a:buNone/>
+              <a:tabLst/>
+              <a:defRPr/>
+            </a:pPr>
+            <a:endParaRPr kumimoji="0" lang="en-US" sz="1800" b="0" i="0" u="none" strike="noStrike" kern="1200" cap="none" spc="0" normalizeH="0" baseline="0" noProof="0">
+              <a:ln>
+                <a:noFill/>
+              </a:ln>
+              <a:solidFill>
+                <a:prstClr val="white"/>
+              </a:solidFill>
+              <a:effectLst/>
+              <a:uLnTx/>
+              <a:uFillTx/>
+              <a:latin typeface="Calibri" panose="020F0502020204030204"/>
+              <a:ea typeface="+mn-ea"/>
+              <a:cs typeface="+mn-cs"/>
+            </a:endParaRPr>
+          </a:p>
+        </p:txBody>
+      </p:sp>
+      <p:sp useBgFill="1">
+        <p:nvSpPr>
+          <p:cNvPr id="14" name="Rectangle 13">
+            <a:extLst>
+              <a:ext uri="{FF2B5EF4-FFF2-40B4-BE49-F238E27FC236}">
+                <a16:creationId xmlns:a16="http://schemas.microsoft.com/office/drawing/2014/main" id="{017517EF-BD4D-4055-BDB4-A322C53568AD}"/>
+              </a:ext>
+              <a:ext uri="{C183D7F6-B498-43B3-948B-1728B52AA6E4}">
+                <adec:decorative xmlns:adec="http://schemas.microsoft.com/office/drawing/2017/decorative" val="1"/>
+              </a:ext>
+            </a:extLst>
+          </p:cNvPr>
+          <p:cNvSpPr>
+            <a:spLocks noGrp="1" noRot="1" noChangeAspect="1" noMove="1" noResize="1" noEditPoints="1" noAdjustHandles="1" noChangeArrowheads="1" noChangeShapeType="1" noTextEdit="1"/>
+          </p:cNvSpPr>
+          <p:nvPr>
+            <p:extLst>
+              <p:ext uri="{386F3935-93C4-4BCD-93E2-E3B085C9AB24}">
+                <p16:designElem xmlns:p16="http://schemas.microsoft.com/office/powerpoint/2015/main" val="1"/>
+              </p:ext>
+            </p:extLst>
+          </p:nvPr>
+        </p:nvSpPr>
+        <p:spPr>
+          <a:xfrm>
+            <a:off x="0" y="0"/>
+            <a:ext cx="12192000" cy="6858000"/>
+          </a:xfrm>
+          <a:prstGeom prst="rect">
+            <a:avLst/>
+          </a:prstGeom>
+          <a:ln>
+            <a:noFill/>
+          </a:ln>
+        </p:spPr>
+        <p:style>
+          <a:lnRef idx="2">
+            <a:schemeClr val="accent1">
+              <a:shade val="50000"/>
+            </a:schemeClr>
+          </a:lnRef>
+          <a:fillRef idx="1">
+            <a:schemeClr val="accent1"/>
+          </a:fillRef>
+          <a:effectRef idx="0">
+            <a:schemeClr val="accent1"/>
+          </a:effectRef>
+          <a:fontRef idx="minor">
+            <a:schemeClr val="lt1"/>
+          </a:fontRef>
+        </p:style>
+        <p:txBody>
+          <a:bodyPr rtlCol="0" anchor="ctr"/>
+          <a:lstStyle/>
+          <a:p>
+            <a:pPr algn="ctr"/>
+            <a:endParaRPr lang="en-US"/>
+          </a:p>
+        </p:txBody>
+      </p:sp>
+      <p:sp useBgFill="1">
+        <p:nvSpPr>
+          <p:cNvPr id="16" name="Rectangle 15">
+            <a:extLst>
+              <a:ext uri="{FF2B5EF4-FFF2-40B4-BE49-F238E27FC236}">
+                <a16:creationId xmlns:a16="http://schemas.microsoft.com/office/drawing/2014/main" id="{0ADDB668-2CA4-4D2B-9C34-3487CA330BA8}"/>
+              </a:ext>
+              <a:ext uri="{C183D7F6-B498-43B3-948B-1728B52AA6E4}">
+                <adec:decorative xmlns:adec="http://schemas.microsoft.com/office/drawing/2017/decorative" val="1"/>
+              </a:ext>
+            </a:extLst>
+          </p:cNvPr>
+          <p:cNvSpPr>
+            <a:spLocks noGrp="1" noRot="1" noChangeAspect="1" noMove="1" noResize="1" noEditPoints="1" noAdjustHandles="1" noChangeArrowheads="1" noChangeShapeType="1" noTextEdit="1"/>
+          </p:cNvSpPr>
+          <p:nvPr>
+            <p:extLst>
+              <p:ext uri="{386F3935-93C4-4BCD-93E2-E3B085C9AB24}">
+                <p16:designElem xmlns:p16="http://schemas.microsoft.com/office/powerpoint/2015/main" val="1"/>
+              </p:ext>
+            </p:extLst>
+          </p:nvPr>
+        </p:nvSpPr>
+        <p:spPr>
+          <a:xfrm>
+            <a:off x="551553" y="304802"/>
+            <a:ext cx="11097349" cy="1573149"/>
+          </a:xfrm>
+          <a:prstGeom prst="rect">
+            <a:avLst/>
+          </a:prstGeom>
+          <a:ln w="12700">
+            <a:solidFill>
+              <a:schemeClr val="tx2">
+                <a:lumMod val="10000"/>
+                <a:lumOff val="90000"/>
+              </a:schemeClr>
+            </a:solidFill>
+          </a:ln>
+          <a:effectLst>
+            <a:outerShdw blurRad="50800" dist="38100" dir="2700000" algn="tl" rotWithShape="0">
+              <a:schemeClr val="bg2">
+                <a:lumMod val="85000"/>
+                <a:alpha val="30000"/>
+              </a:schemeClr>
+            </a:outerShdw>
+          </a:effectLst>
+        </p:spPr>
+        <p:style>
+          <a:lnRef idx="2">
+            <a:schemeClr val="accent1">
+              <a:shade val="50000"/>
+            </a:schemeClr>
+          </a:lnRef>
+          <a:fillRef idx="1">
+            <a:schemeClr val="accent1"/>
+          </a:fillRef>
+          <a:effectRef idx="0">
+            <a:schemeClr val="accent1"/>
+          </a:effectRef>
+          <a:fontRef idx="minor">
+            <a:schemeClr val="lt1"/>
+          </a:fontRef>
+        </p:style>
+        <p:txBody>
+          <a:bodyPr rtlCol="0" anchor="ctr"/>
+          <a:lstStyle/>
+          <a:p>
+            <a:pPr marL="0" marR="0" lvl="0" indent="0" algn="ctr" defTabSz="914400" rtl="0" eaLnBrk="1" fontAlgn="auto" latinLnBrk="0" hangingPunct="1">
+              <a:lnSpc>
+                <a:spcPct val="100000"/>
+              </a:lnSpc>
+              <a:spcBef>
+                <a:spcPts val="0"/>
+              </a:spcBef>
+              <a:spcAft>
+                <a:spcPts val="0"/>
+              </a:spcAft>
+              <a:buClrTx/>
+              <a:buSzTx/>
+              <a:buFontTx/>
+              <a:buNone/>
+              <a:tabLst/>
+              <a:defRPr/>
+            </a:pPr>
+            <a:endParaRPr kumimoji="0" lang="en-US" sz="1800" b="0" i="0" u="none" strike="noStrike" kern="1200" cap="none" spc="0" normalizeH="0" baseline="0" noProof="0">
+              <a:ln>
+                <a:noFill/>
+              </a:ln>
+              <a:solidFill>
+                <a:prstClr val="white"/>
+              </a:solidFill>
+              <a:effectLst/>
+              <a:uLnTx/>
+              <a:uFillTx/>
+              <a:latin typeface="Calibri" panose="020F0502020204030204"/>
+              <a:ea typeface="+mn-ea"/>
+              <a:cs typeface="+mn-cs"/>
+            </a:endParaRPr>
+          </a:p>
+        </p:txBody>
+      </p:sp>
+      <p:sp>
+        <p:nvSpPr>
+          <p:cNvPr id="2" name="Título 1">
+            <a:extLst>
+              <a:ext uri="{FF2B5EF4-FFF2-40B4-BE49-F238E27FC236}">
+                <a16:creationId xmlns:a16="http://schemas.microsoft.com/office/drawing/2014/main" id="{05B165D4-7218-4EFD-B47A-43834DA2EE37}"/>
+              </a:ext>
+            </a:extLst>
+          </p:cNvPr>
+          <p:cNvSpPr>
+            <a:spLocks noGrp="1"/>
+          </p:cNvSpPr>
+          <p:nvPr>
+            <p:ph type="title"/>
+          </p:nvPr>
+        </p:nvSpPr>
+        <p:spPr>
+          <a:xfrm>
+            <a:off x="901690" y="405575"/>
+            <a:ext cx="6430414" cy="1371600"/>
+          </a:xfrm>
+        </p:spPr>
+        <p:txBody>
+          <a:bodyPr vert="horz" lIns="91440" tIns="45720" rIns="91440" bIns="45720" rtlCol="0" anchor="ctr">
+            <a:normAutofit/>
+          </a:bodyPr>
+          <a:lstStyle/>
+          <a:p>
+            <a:r>
+              <a:rPr lang="es-CO" dirty="0"/>
+              <a:t>Diagrama UML de la solución correcta.</a:t>
+            </a:r>
+          </a:p>
+        </p:txBody>
+      </p:sp>
+      <p:sp>
+        <p:nvSpPr>
+          <p:cNvPr id="18" name="Rectangle 17">
+            <a:extLst>
+              <a:ext uri="{FF2B5EF4-FFF2-40B4-BE49-F238E27FC236}">
+                <a16:creationId xmlns:a16="http://schemas.microsoft.com/office/drawing/2014/main" id="{2568BC19-F052-4108-93E1-6A3D1DEC072F}"/>
+              </a:ext>
+              <a:ext uri="{C183D7F6-B498-43B3-948B-1728B52AA6E4}">
+                <adec:decorative xmlns:adec="http://schemas.microsoft.com/office/drawing/2017/decorative" val="1"/>
+              </a:ext>
+            </a:extLst>
+          </p:cNvPr>
+          <p:cNvSpPr>
+            <a:spLocks noGrp="1" noRot="1" noChangeAspect="1" noMove="1" noResize="1" noEditPoints="1" noAdjustHandles="1" noChangeArrowheads="1" noChangeShapeType="1" noTextEdit="1"/>
+          </p:cNvSpPr>
+          <p:nvPr>
+            <p:extLst>
+              <p:ext uri="{386F3935-93C4-4BCD-93E2-E3B085C9AB24}">
+                <p16:designElem xmlns:p16="http://schemas.microsoft.com/office/powerpoint/2015/main" val="1"/>
+              </p:ext>
+            </p:extLst>
+          </p:nvPr>
+        </p:nvSpPr>
+        <p:spPr>
+          <a:xfrm>
+            <a:off x="494784" y="764424"/>
+            <a:ext cx="128016" cy="653903"/>
+          </a:xfrm>
+          <a:prstGeom prst="rect">
+            <a:avLst/>
+          </a:prstGeom>
+          <a:solidFill>
+            <a:schemeClr val="accent1"/>
+          </a:solidFill>
+          <a:ln>
+            <a:noFill/>
+          </a:ln>
+        </p:spPr>
+        <p:style>
+          <a:lnRef idx="2">
+            <a:schemeClr val="accent1">
+              <a:shade val="50000"/>
+            </a:schemeClr>
+          </a:lnRef>
+          <a:fillRef idx="1">
+            <a:schemeClr val="accent1"/>
+          </a:fillRef>
+          <a:effectRef idx="0">
+            <a:schemeClr val="accent1"/>
+          </a:effectRef>
+          <a:fontRef idx="minor">
+            <a:schemeClr val="lt1"/>
+          </a:fontRef>
+        </p:style>
+        <p:txBody>
+          <a:bodyPr rtlCol="0" anchor="ctr"/>
+          <a:lstStyle/>
+          <a:p>
+            <a:pPr marL="0" marR="0" lvl="0" indent="0" algn="ctr" defTabSz="914400" rtl="0" eaLnBrk="1" fontAlgn="auto" latinLnBrk="0" hangingPunct="1">
+              <a:lnSpc>
+                <a:spcPct val="100000"/>
+              </a:lnSpc>
+              <a:spcBef>
+                <a:spcPts val="0"/>
+              </a:spcBef>
+              <a:spcAft>
+                <a:spcPts val="0"/>
+              </a:spcAft>
+              <a:buClrTx/>
+              <a:buSzTx/>
+              <a:buFontTx/>
+              <a:buNone/>
+              <a:tabLst/>
+              <a:defRPr/>
+            </a:pPr>
+            <a:endParaRPr kumimoji="0" lang="en-US" sz="1800" b="0" i="0" u="none" strike="noStrike" kern="1200" cap="none" spc="0" normalizeH="0" baseline="0" noProof="0">
+              <a:ln>
+                <a:noFill/>
+              </a:ln>
+              <a:solidFill>
+                <a:prstClr val="white"/>
+              </a:solidFill>
+              <a:effectLst/>
+              <a:uLnTx/>
+              <a:uFillTx/>
+              <a:latin typeface="Calibri" panose="020F0502020204030204"/>
+              <a:ea typeface="+mn-ea"/>
+              <a:cs typeface="+mn-cs"/>
+            </a:endParaRPr>
+          </a:p>
+        </p:txBody>
+      </p:sp>
+      <p:sp>
+        <p:nvSpPr>
+          <p:cNvPr id="20" name="Rectangle 19">
+            <a:extLst>
+              <a:ext uri="{FF2B5EF4-FFF2-40B4-BE49-F238E27FC236}">
+                <a16:creationId xmlns:a16="http://schemas.microsoft.com/office/drawing/2014/main" id="{D5FD337D-4D6B-4C8B-B6F5-121097E09881}"/>
+              </a:ext>
+              <a:ext uri="{C183D7F6-B498-43B3-948B-1728B52AA6E4}">
+                <adec:decorative xmlns:adec="http://schemas.microsoft.com/office/drawing/2017/decorative" val="1"/>
+              </a:ext>
+            </a:extLst>
+          </p:cNvPr>
+          <p:cNvSpPr>
+            <a:spLocks noGrp="1" noRot="1" noChangeAspect="1" noMove="1" noResize="1" noEditPoints="1" noAdjustHandles="1" noChangeArrowheads="1" noChangeShapeType="1" noTextEdit="1"/>
+          </p:cNvSpPr>
+          <p:nvPr>
+            <p:extLst>
+              <p:ext uri="{386F3935-93C4-4BCD-93E2-E3B085C9AB24}">
+                <p16:designElem xmlns:p16="http://schemas.microsoft.com/office/powerpoint/2015/main" val="1"/>
+              </p:ext>
+            </p:extLst>
+          </p:nvPr>
+        </p:nvSpPr>
+        <p:spPr>
+          <a:xfrm rot="5400000">
+            <a:off x="7130604" y="1071836"/>
+            <a:ext cx="1021458" cy="9144"/>
+          </a:xfrm>
+          <a:prstGeom prst="rect">
+            <a:avLst/>
+          </a:prstGeom>
+          <a:solidFill>
+            <a:schemeClr val="tx2">
+              <a:lumMod val="25000"/>
+              <a:lumOff val="75000"/>
+            </a:schemeClr>
+          </a:solidFill>
+          <a:ln w="3175">
+            <a:noFill/>
+          </a:ln>
+          <a:effectLst/>
+        </p:spPr>
+        <p:style>
+          <a:lnRef idx="2">
+            <a:schemeClr val="accent1">
+              <a:shade val="50000"/>
+            </a:schemeClr>
+          </a:lnRef>
+          <a:fillRef idx="1">
+            <a:schemeClr val="accent1"/>
+          </a:fillRef>
+          <a:effectRef idx="0">
+            <a:schemeClr val="accent1"/>
+          </a:effectRef>
+          <a:fontRef idx="minor">
+            <a:schemeClr val="lt1"/>
+          </a:fontRef>
+        </p:style>
+        <p:txBody>
+          <a:bodyPr rtlCol="0" anchor="ctr"/>
+          <a:lstStyle/>
+          <a:p>
+            <a:pPr marL="0" marR="0" lvl="0" indent="0" algn="ctr" defTabSz="914400" rtl="0" eaLnBrk="1" fontAlgn="auto" latinLnBrk="0" hangingPunct="1">
+              <a:lnSpc>
+                <a:spcPct val="100000"/>
+              </a:lnSpc>
+              <a:spcBef>
+                <a:spcPts val="0"/>
+              </a:spcBef>
+              <a:spcAft>
+                <a:spcPts val="0"/>
+              </a:spcAft>
+              <a:buClrTx/>
+              <a:buSzTx/>
+              <a:buFontTx/>
+              <a:buNone/>
+              <a:tabLst/>
+              <a:defRPr/>
+            </a:pPr>
+            <a:endParaRPr kumimoji="0" lang="en-US" sz="1800" b="0" i="0" u="none" strike="noStrike" kern="1200" cap="none" spc="0" normalizeH="0" baseline="0" noProof="0">
+              <a:ln>
+                <a:noFill/>
+              </a:ln>
+              <a:solidFill>
+                <a:prstClr val="white"/>
+              </a:solidFill>
+              <a:effectLst/>
+              <a:uLnTx/>
+              <a:uFillTx/>
+              <a:latin typeface="Calibri" panose="020F0502020204030204"/>
+              <a:ea typeface="+mn-ea"/>
+              <a:cs typeface="+mn-cs"/>
+            </a:endParaRPr>
+          </a:p>
+        </p:txBody>
+      </p:sp>
+      <p:pic>
+        <p:nvPicPr>
+          <p:cNvPr id="5" name="Marcador de contenido 4" descr="Captura de pantalla de un celular&#10;&#10;Descripción generada automáticamente">
+            <a:extLst>
+              <a:ext uri="{FF2B5EF4-FFF2-40B4-BE49-F238E27FC236}">
+                <a16:creationId xmlns:a16="http://schemas.microsoft.com/office/drawing/2014/main" id="{407E4038-D5F0-432E-932D-A56E5ADE9885}"/>
+              </a:ext>
+            </a:extLst>
+          </p:cNvPr>
+          <p:cNvPicPr>
+            <a:picLocks noGrp="1" noChangeAspect="1"/>
+          </p:cNvPicPr>
+          <p:nvPr>
+            <p:ph idx="1"/>
+          </p:nvPr>
+        </p:nvPicPr>
+        <p:blipFill>
+          <a:blip r:embed="rId2">
+            <a:extLst>
+              <a:ext uri="{28A0092B-C50C-407E-A947-70E740481C1C}">
+                <a14:useLocalDpi xmlns:a14="http://schemas.microsoft.com/office/drawing/2010/main" val="0"/>
+              </a:ext>
+            </a:extLst>
+          </a:blip>
+          <a:stretch>
+            <a:fillRect/>
+          </a:stretch>
+        </p:blipFill>
+        <p:spPr>
+          <a:xfrm>
+            <a:off x="549058" y="2432511"/>
+            <a:ext cx="11097349" cy="3523408"/>
+          </a:xfrm>
+          <a:prstGeom prst="rect">
+            <a:avLst/>
+          </a:prstGeom>
+        </p:spPr>
+      </p:pic>
+    </p:spTree>
+    <p:extLst>
+      <p:ext uri="{BB962C8B-B14F-4D97-AF65-F5344CB8AC3E}">
+        <p14:creationId xmlns:p14="http://schemas.microsoft.com/office/powerpoint/2010/main" val="4102439519"/>
+      </p:ext>
+    </p:extLst>
+  </p:cSld>
+  <p:clrMapOvr>
+    <a:masterClrMapping/>
+  </p:clrMapOvr>
+</p:sld>
+</file>
+
+<file path=ppt/slides/slide9.xml><?xml version="1.0" encoding="utf-8"?>
+<p:sld xmlns:a="http://schemas.openxmlformats.org/drawingml/2006/main" xmlns:r="http://schemas.openxmlformats.org/officeDocument/2006/relationships" xmlns:p="http://schemas.openxmlformats.org/presentationml/2006/main">
+  <p:cSld>
+    <p:bg>
+      <p:bgPr>
+        <a:solidFill>
+          <a:schemeClr val="bg1"/>
+        </a:solidFill>
+        <a:effectLst/>
+      </p:bgPr>
+    </p:bg>
+    <p:spTree>
+      <p:nvGrpSpPr>
+        <p:cNvPr id="1" name=""/>
+        <p:cNvGrpSpPr/>
+        <p:nvPr/>
+      </p:nvGrpSpPr>
+      <p:grpSpPr>
+        <a:xfrm>
+          <a:off x="0" y="0"/>
+          <a:ext cx="0" cy="0"/>
+          <a:chOff x="0" y="0"/>
+          <a:chExt cx="0" cy="0"/>
+        </a:xfrm>
+      </p:grpSpPr>
+      <p:sp>
+        <p:nvSpPr>
+          <p:cNvPr id="23" name="Rectangle 22">
+            <a:extLst>
+              <a:ext uri="{FF2B5EF4-FFF2-40B4-BE49-F238E27FC236}">
+                <a16:creationId xmlns:a16="http://schemas.microsoft.com/office/drawing/2014/main" id="{8D06CE56-3881-4ADA-8CEF-D18B02C242A3}"/>
+              </a:ext>
+              <a:ext uri="{C183D7F6-B498-43B3-948B-1728B52AA6E4}">
+                <adec:decorative xmlns:adec="http://schemas.microsoft.com/office/drawing/2017/decorative" val="1"/>
+              </a:ext>
+            </a:extLst>
+          </p:cNvPr>
+          <p:cNvSpPr>
+            <a:spLocks noGrp="1" noRot="1" noChangeAspect="1" noMove="1" noResize="1" noEditPoints="1" noAdjustHandles="1" noChangeArrowheads="1" noChangeShapeType="1" noTextEdit="1"/>
+          </p:cNvSpPr>
+          <p:nvPr>
+            <p:extLst>
+              <p:ext uri="{386F3935-93C4-4BCD-93E2-E3B085C9AB24}">
+                <p16:designElem xmlns:p16="http://schemas.microsoft.com/office/powerpoint/2015/main" val="1"/>
+              </p:ext>
+            </p:extLst>
+          </p:nvPr>
+        </p:nvSpPr>
+        <p:spPr>
+          <a:xfrm rot="5400000">
+            <a:off x="857544" y="346791"/>
+            <a:ext cx="146304" cy="704088"/>
+          </a:xfrm>
+          <a:prstGeom prst="rect">
+            <a:avLst/>
+          </a:prstGeom>
+          <a:solidFill>
+            <a:schemeClr val="accent1"/>
+          </a:solidFill>
+          <a:ln>
+            <a:noFill/>
+          </a:ln>
+        </p:spPr>
+        <p:style>
+          <a:lnRef idx="2">
+            <a:schemeClr val="accent1">
+              <a:shade val="50000"/>
+            </a:schemeClr>
+          </a:lnRef>
+          <a:fillRef idx="1">
+            <a:schemeClr val="accent1"/>
+          </a:fillRef>
+          <a:effectRef idx="0">
+            <a:schemeClr val="accent1"/>
+          </a:effectRef>
+          <a:fontRef idx="minor">
+            <a:schemeClr val="lt1"/>
+          </a:fontRef>
+        </p:style>
+        <p:txBody>
+          <a:bodyPr rtlCol="0" anchor="ctr"/>
+          <a:lstStyle/>
+          <a:p>
+            <a:pPr marL="0" marR="0" lvl="0" indent="0" algn="ctr" defTabSz="914400" rtl="0" eaLnBrk="1" fontAlgn="auto" latinLnBrk="0" hangingPunct="1">
+              <a:lnSpc>
+                <a:spcPct val="100000"/>
+              </a:lnSpc>
+              <a:spcBef>
+                <a:spcPts val="0"/>
+              </a:spcBef>
+              <a:spcAft>
+                <a:spcPts val="0"/>
+              </a:spcAft>
+              <a:buClrTx/>
+              <a:buSzTx/>
+              <a:buFontTx/>
+              <a:buNone/>
+              <a:tabLst/>
+              <a:defRPr/>
+            </a:pPr>
+            <a:endParaRPr kumimoji="0" lang="en-US" sz="1800" b="0" i="0" u="none" strike="noStrike" kern="1200" cap="none" spc="0" normalizeH="0" baseline="0" noProof="0">
+              <a:ln>
+                <a:noFill/>
+              </a:ln>
+              <a:solidFill>
+                <a:prstClr val="white"/>
+              </a:solidFill>
+              <a:effectLst/>
+              <a:uLnTx/>
+              <a:uFillTx/>
+              <a:latin typeface="Calibri" panose="020F0502020204030204"/>
+              <a:ea typeface="+mn-ea"/>
+              <a:cs typeface="+mn-cs"/>
+            </a:endParaRPr>
+          </a:p>
+        </p:txBody>
+      </p:sp>
+      <p:sp>
+        <p:nvSpPr>
+          <p:cNvPr id="25" name="Rectangle 24">
+            <a:extLst>
+              <a:ext uri="{FF2B5EF4-FFF2-40B4-BE49-F238E27FC236}">
+                <a16:creationId xmlns:a16="http://schemas.microsoft.com/office/drawing/2014/main" id="{79F3C543-62EC-4433-9C93-A2CD8764E9B4}"/>
+              </a:ext>
+              <a:ext uri="{C183D7F6-B498-43B3-948B-1728B52AA6E4}">
+                <adec:decorative xmlns:adec="http://schemas.microsoft.com/office/drawing/2017/decorative" val="1"/>
+              </a:ext>
+            </a:extLst>
+          </p:cNvPr>
+          <p:cNvSpPr>
+            <a:spLocks noGrp="1" noRot="1" noChangeAspect="1" noMove="1" noResize="1" noEditPoints="1" noAdjustHandles="1" noChangeArrowheads="1" noChangeShapeType="1" noTextEdit="1"/>
+          </p:cNvSpPr>
+          <p:nvPr>
+            <p:extLst>
+              <p:ext uri="{386F3935-93C4-4BCD-93E2-E3B085C9AB24}">
+                <p16:designElem xmlns:p16="http://schemas.microsoft.com/office/powerpoint/2015/main" val="1"/>
+              </p:ext>
+            </p:extLst>
+          </p:nvPr>
+        </p:nvSpPr>
+        <p:spPr>
+          <a:xfrm flipV="1">
+            <a:off x="578652" y="4501201"/>
+            <a:ext cx="11034696" cy="18288"/>
+          </a:xfrm>
+          <a:prstGeom prst="rect">
+            <a:avLst/>
+          </a:prstGeom>
+          <a:solidFill>
+            <a:schemeClr val="tx2">
+              <a:lumMod val="25000"/>
+              <a:lumOff val="75000"/>
+            </a:schemeClr>
+          </a:solidFill>
+          <a:ln w="3175">
+            <a:noFill/>
+          </a:ln>
+          <a:effectLst/>
+        </p:spPr>
+        <p:style>
+          <a:lnRef idx="2">
+            <a:schemeClr val="accent1">
+              <a:shade val="50000"/>
+            </a:schemeClr>
+          </a:lnRef>
+          <a:fillRef idx="1">
+            <a:schemeClr val="accent1"/>
+          </a:fillRef>
+          <a:effectRef idx="0">
+            <a:schemeClr val="accent1"/>
+          </a:effectRef>
+          <a:fontRef idx="minor">
+            <a:schemeClr val="lt1"/>
+          </a:fontRef>
+        </p:style>
+        <p:txBody>
+          <a:bodyPr rtlCol="0" anchor="ctr"/>
+          <a:lstStyle/>
+          <a:p>
+            <a:pPr marL="0" marR="0" lvl="0" indent="0" algn="ctr" defTabSz="914400" rtl="0" eaLnBrk="1" fontAlgn="auto" latinLnBrk="0" hangingPunct="1">
+              <a:lnSpc>
+                <a:spcPct val="100000"/>
+              </a:lnSpc>
+              <a:spcBef>
+                <a:spcPts val="0"/>
+              </a:spcBef>
+              <a:spcAft>
+                <a:spcPts val="0"/>
+              </a:spcAft>
+              <a:buClrTx/>
+              <a:buSzTx/>
+              <a:buFontTx/>
+              <a:buNone/>
+              <a:tabLst/>
+              <a:defRPr/>
+            </a:pPr>
+            <a:endParaRPr kumimoji="0" lang="en-US" sz="1800" b="0" i="0" u="none" strike="noStrike" kern="1200" cap="none" spc="0" normalizeH="0" baseline="0" noProof="0">
+              <a:ln>
+                <a:noFill/>
+              </a:ln>
+              <a:solidFill>
+                <a:prstClr val="white"/>
+              </a:solidFill>
+              <a:effectLst/>
+              <a:uLnTx/>
+              <a:uFillTx/>
+              <a:latin typeface="Calibri" panose="020F0502020204030204"/>
+              <a:ea typeface="+mn-ea"/>
+              <a:cs typeface="+mn-cs"/>
+            </a:endParaRPr>
+          </a:p>
+        </p:txBody>
+      </p:sp>
+      <p:sp useBgFill="1">
+        <p:nvSpPr>
+          <p:cNvPr id="27" name="Rectangle 26">
+            <a:extLst>
+              <a:ext uri="{FF2B5EF4-FFF2-40B4-BE49-F238E27FC236}">
+                <a16:creationId xmlns:a16="http://schemas.microsoft.com/office/drawing/2014/main" id="{5A59F003-E00A-43F9-91DC-CC54E3B87466}"/>
+              </a:ext>
+              <a:ext uri="{C183D7F6-B498-43B3-948B-1728B52AA6E4}">
+                <adec:decorative xmlns:adec="http://schemas.microsoft.com/office/drawing/2017/decorative" val="1"/>
+              </a:ext>
+            </a:extLst>
+          </p:cNvPr>
+          <p:cNvSpPr>
+            <a:spLocks noGrp="1" noRot="1" noChangeAspect="1" noMove="1" noResize="1" noEditPoints="1" noAdjustHandles="1" noChangeArrowheads="1" noChangeShapeType="1" noTextEdit="1"/>
+          </p:cNvSpPr>
+          <p:nvPr>
+            <p:extLst>
+              <p:ext uri="{386F3935-93C4-4BCD-93E2-E3B085C9AB24}">
+                <p16:designElem xmlns:p16="http://schemas.microsoft.com/office/powerpoint/2015/main" val="1"/>
+              </p:ext>
+            </p:extLst>
+          </p:nvPr>
+        </p:nvSpPr>
+        <p:spPr>
+          <a:xfrm>
+            <a:off x="0" y="0"/>
+            <a:ext cx="12192000" cy="6858000"/>
+          </a:xfrm>
+          <a:prstGeom prst="rect">
+            <a:avLst/>
+          </a:prstGeom>
+          <a:ln>
+            <a:noFill/>
+          </a:ln>
+        </p:spPr>
+        <p:style>
+          <a:lnRef idx="2">
+            <a:schemeClr val="accent1">
+              <a:shade val="50000"/>
+            </a:schemeClr>
+          </a:lnRef>
+          <a:fillRef idx="1">
+            <a:schemeClr val="accent1"/>
+          </a:fillRef>
+          <a:effectRef idx="0">
+            <a:schemeClr val="accent1"/>
+          </a:effectRef>
+          <a:fontRef idx="minor">
+            <a:schemeClr val="lt1"/>
+          </a:fontRef>
+        </p:style>
+        <p:txBody>
+          <a:bodyPr rtlCol="0" anchor="ctr"/>
+          <a:lstStyle/>
+          <a:p>
+            <a:pPr algn="ctr"/>
+            <a:endParaRPr lang="en-US"/>
+          </a:p>
+        </p:txBody>
+      </p:sp>
+      <p:pic>
+        <p:nvPicPr>
+          <p:cNvPr id="9" name="Marcador de contenido 8" descr="Imagen que contiene objeto, estrella&#10;&#10;Descripción generada automáticamente">
+            <a:extLst>
+              <a:ext uri="{FF2B5EF4-FFF2-40B4-BE49-F238E27FC236}">
+                <a16:creationId xmlns:a16="http://schemas.microsoft.com/office/drawing/2014/main" id="{970754AE-BC58-4DD2-B093-19ADC2860851}"/>
+              </a:ext>
+            </a:extLst>
+          </p:cNvPr>
+          <p:cNvPicPr>
+            <a:picLocks noGrp="1" noChangeAspect="1"/>
+          </p:cNvPicPr>
+          <p:nvPr>
+            <p:ph idx="1"/>
+          </p:nvPr>
+        </p:nvPicPr>
+        <p:blipFill rotWithShape="1">
+          <a:blip r:embed="rId2">
+            <a:extLst>
+              <a:ext uri="{28A0092B-C50C-407E-A947-70E740481C1C}">
+                <a14:useLocalDpi xmlns:a14="http://schemas.microsoft.com/office/drawing/2010/main" val="0"/>
+              </a:ext>
+            </a:extLst>
+          </a:blip>
+          <a:srcRect l="7387" t="9091" r="5744" b="-1"/>
+          <a:stretch/>
+        </p:blipFill>
+        <p:spPr>
+          <a:xfrm>
+            <a:off x="20" y="10"/>
+            <a:ext cx="12191981" cy="6857990"/>
+          </a:xfrm>
+          <a:prstGeom prst="rect">
+            <a:avLst/>
+          </a:prstGeom>
+        </p:spPr>
+      </p:pic>
+      <p:sp>
+        <p:nvSpPr>
+          <p:cNvPr id="29" name="Rectangle 28">
+            <a:extLst>
+              <a:ext uri="{FF2B5EF4-FFF2-40B4-BE49-F238E27FC236}">
+                <a16:creationId xmlns:a16="http://schemas.microsoft.com/office/drawing/2014/main" id="{D74A4382-E3AD-430A-9A1F-DFA3E0E77A7D}"/>
+              </a:ext>
+              <a:ext uri="{C183D7F6-B498-43B3-948B-1728B52AA6E4}">
+                <adec:decorative xmlns:adec="http://schemas.microsoft.com/office/drawing/2017/decorative" val="1"/>
+              </a:ext>
+            </a:extLst>
+          </p:cNvPr>
+          <p:cNvSpPr>
+            <a:spLocks noGrp="1" noRot="1" noChangeAspect="1" noMove="1" noResize="1" noEditPoints="1" noAdjustHandles="1" noChangeArrowheads="1" noChangeShapeType="1" noTextEdit="1"/>
+          </p:cNvSpPr>
+          <p:nvPr>
+            <p:extLst>
+              <p:ext uri="{386F3935-93C4-4BCD-93E2-E3B085C9AB24}">
+                <p16:designElem xmlns:p16="http://schemas.microsoft.com/office/powerpoint/2015/main" val="1"/>
+              </p:ext>
+            </p:extLst>
+          </p:nvPr>
+        </p:nvSpPr>
+        <p:spPr>
+          <a:xfrm rot="16200000">
+            <a:off x="3799868" y="-1534136"/>
+            <a:ext cx="4592270" cy="12192001"/>
+          </a:xfrm>
+          <a:prstGeom prst="rect">
+            <a:avLst/>
+          </a:prstGeom>
+          <a:gradFill>
+            <a:gsLst>
+              <a:gs pos="35000">
+                <a:schemeClr val="bg1">
+                  <a:alpha val="46000"/>
+                </a:schemeClr>
+              </a:gs>
+              <a:gs pos="21000">
+                <a:schemeClr val="bg1">
+                  <a:alpha val="30000"/>
+                </a:schemeClr>
+              </a:gs>
+              <a:gs pos="0">
+                <a:schemeClr val="bg1">
+                  <a:alpha val="0"/>
+                </a:schemeClr>
+              </a:gs>
+              <a:gs pos="100000">
+                <a:schemeClr val="bg1">
+                  <a:alpha val="90000"/>
+                </a:schemeClr>
+              </a:gs>
+            </a:gsLst>
+            <a:lin ang="10800000" scaled="0"/>
+          </a:gradFill>
+          <a:ln>
+            <a:noFill/>
+          </a:ln>
+        </p:spPr>
+        <p:style>
+          <a:lnRef idx="2">
+            <a:schemeClr val="accent1">
+              <a:shade val="50000"/>
+            </a:schemeClr>
+          </a:lnRef>
+          <a:fillRef idx="1">
+            <a:schemeClr val="accent1"/>
+          </a:fillRef>
+          <a:effectRef idx="0">
+            <a:schemeClr val="accent1"/>
+          </a:effectRef>
+          <a:fontRef idx="minor">
+            <a:schemeClr val="lt1"/>
+          </a:fontRef>
+        </p:style>
+        <p:txBody>
+          <a:bodyPr rtlCol="0" anchor="ctr"/>
+          <a:lstStyle/>
+          <a:p>
+            <a:pPr algn="ctr"/>
+            <a:endParaRPr lang="en-US" dirty="0"/>
+          </a:p>
+        </p:txBody>
+      </p:sp>
+      <p:sp>
+        <p:nvSpPr>
+          <p:cNvPr id="2" name="Título 1">
+            <a:extLst>
+              <a:ext uri="{FF2B5EF4-FFF2-40B4-BE49-F238E27FC236}">
+                <a16:creationId xmlns:a16="http://schemas.microsoft.com/office/drawing/2014/main" id="{416C3F46-CDCE-4ADC-BF07-B2DBF2D5DCBD}"/>
+              </a:ext>
+            </a:extLst>
+          </p:cNvPr>
+          <p:cNvSpPr>
+            <a:spLocks noGrp="1"/>
+          </p:cNvSpPr>
+          <p:nvPr>
+            <p:ph type="title"/>
+          </p:nvPr>
+        </p:nvSpPr>
+        <p:spPr>
+          <a:xfrm>
+            <a:off x="404553" y="3091928"/>
+            <a:ext cx="9078562" cy="2387600"/>
+          </a:xfrm>
+        </p:spPr>
+        <p:txBody>
+          <a:bodyPr vert="horz" lIns="91440" tIns="45720" rIns="91440" bIns="45720" rtlCol="0" anchor="b">
+            <a:normAutofit fontScale="90000"/>
+          </a:bodyPr>
+          <a:lstStyle/>
+          <a:p>
+            <a:r>
+              <a:rPr lang="es-CO" sz="6600" dirty="0"/>
+              <a:t>Viaje interestelar a lo más profundo del código…</a:t>
+            </a:r>
+          </a:p>
+        </p:txBody>
+      </p:sp>
+      <p:sp>
+        <p:nvSpPr>
+          <p:cNvPr id="31" name="Rectangle: Rounded Corners 30">
+            <a:extLst>
+              <a:ext uri="{FF2B5EF4-FFF2-40B4-BE49-F238E27FC236}">
+                <a16:creationId xmlns:a16="http://schemas.microsoft.com/office/drawing/2014/main" id="{79F40191-0F44-4FD1-82CC-ACB507C14BE6}"/>
+              </a:ext>
+              <a:ext uri="{C183D7F6-B498-43B3-948B-1728B52AA6E4}">
+                <adec:decorative xmlns:adec="http://schemas.microsoft.com/office/drawing/2017/decorative" val="1"/>
+              </a:ext>
+            </a:extLst>
+          </p:cNvPr>
+          <p:cNvSpPr>
+            <a:spLocks noGrp="1" noRot="1" noChangeAspect="1" noMove="1" noResize="1" noEditPoints="1" noAdjustHandles="1" noChangeArrowheads="1" noChangeShapeType="1" noTextEdit="1"/>
+          </p:cNvSpPr>
+          <p:nvPr>
+            <p:extLst>
+              <p:ext uri="{386F3935-93C4-4BCD-93E2-E3B085C9AB24}">
+                <p16:designElem xmlns:p16="http://schemas.microsoft.com/office/powerpoint/2015/main" val="1"/>
+              </p:ext>
+            </p:extLst>
+          </p:nvPr>
+        </p:nvSpPr>
+        <p:spPr>
+          <a:xfrm>
+            <a:off x="0" y="5575039"/>
+            <a:ext cx="9785897" cy="685800"/>
+          </a:xfrm>
+          <a:prstGeom prst="roundRect">
+            <a:avLst>
+              <a:gd name="adj" fmla="val 0"/>
+            </a:avLst>
+          </a:prstGeom>
+          <a:solidFill>
+            <a:schemeClr val="accent1"/>
+          </a:solidFill>
+          <a:ln>
+            <a:noFill/>
+          </a:ln>
+        </p:spPr>
+        <p:style>
+          <a:lnRef idx="2">
+            <a:schemeClr val="accent1">
+              <a:shade val="50000"/>
+            </a:schemeClr>
+          </a:lnRef>
+          <a:fillRef idx="1">
+            <a:schemeClr val="accent1"/>
+          </a:fillRef>
+          <a:effectRef idx="0">
+            <a:schemeClr val="accent1"/>
+          </a:effectRef>
+          <a:fontRef idx="minor">
+            <a:schemeClr val="lt1"/>
+          </a:fontRef>
+        </p:style>
+        <p:txBody>
+          <a:bodyPr rtlCol="0" anchor="ctr"/>
+          <a:lstStyle/>
+          <a:p>
+            <a:pPr algn="ctr"/>
+            <a:endParaRPr lang="en-US"/>
+          </a:p>
+        </p:txBody>
+      </p:sp>
+    </p:spTree>
+    <p:extLst>
+      <p:ext uri="{BB962C8B-B14F-4D97-AF65-F5344CB8AC3E}">
+        <p14:creationId xmlns:p14="http://schemas.microsoft.com/office/powerpoint/2010/main" val="3760571227"/>
+      </p:ext>
+    </p:extLst>
+  </p:cSld>
+  <p:clrMapOvr>
+    <a:overrideClrMapping bg1="dk1" tx1="lt1" bg2="dk2" tx2="lt2" accent1="accent1" accent2="accent2" accent3="accent3" accent4="accent4" accent5="accent5" accent6="accent6" hlink="hlink" folHlink="folHlink"/>
   </p:clrMapOvr>
 </p:sld>
 </file>

--- a/Parcial 3 POO/Presentación Composite.pptx
+++ b/Parcial 3 POO/Presentación Composite.pptx
@@ -5412,6 +5412,9 @@
   <p:clrMapOvr>
     <a:masterClrMapping/>
   </p:clrMapOvr>
+  <p:transition spd="slow">
+    <p:wipe/>
+  </p:transition>
 </p:sld>
 </file>
 
@@ -5967,6 +5970,9 @@
   <p:clrMapOvr>
     <a:overrideClrMapping bg1="dk1" tx1="lt1" bg2="dk2" tx2="lt2" accent1="accent1" accent2="accent2" accent3="accent3" accent4="accent4" accent5="accent5" accent6="accent6" hlink="hlink" folHlink="folHlink"/>
   </p:clrMapOvr>
+  <p:transition spd="slow">
+    <p:push dir="u"/>
+  </p:transition>
 </p:sld>
 </file>
 
@@ -6525,6 +6531,18 @@
   <p:clrMapOvr>
     <a:overrideClrMapping bg1="dk1" tx1="lt1" bg2="dk2" tx2="lt2" accent1="accent1" accent2="accent2" accent3="accent3" accent4="accent4" accent5="accent5" accent6="accent6" hlink="hlink" folHlink="folHlink"/>
   </p:clrMapOvr>
+  <mc:AlternateContent xmlns:mc="http://schemas.openxmlformats.org/markup-compatibility/2006">
+    <mc:Choice xmlns:p159="http://schemas.microsoft.com/office/powerpoint/2015/09/main" Requires="p159">
+      <p:transition xmlns:p14="http://schemas.microsoft.com/office/powerpoint/2010/main" spd="slow" p14:dur="2000">
+        <p159:morph option="byObject"/>
+      </p:transition>
+    </mc:Choice>
+    <mc:Fallback>
+      <p:transition spd="slow">
+        <p:fade/>
+      </p:transition>
+    </mc:Fallback>
+  </mc:AlternateContent>
 </p:sld>
 </file>
 
@@ -7203,6 +7221,9 @@
   <p:clrMapOvr>
     <a:overrideClrMapping bg1="dk1" tx1="lt1" bg2="dk2" tx2="lt2" accent1="accent1" accent2="accent2" accent3="accent3" accent4="accent4" accent5="accent5" accent6="accent6" hlink="hlink" folHlink="folHlink"/>
   </p:clrMapOvr>
+  <p:transition spd="slow">
+    <p:randomBar dir="vert"/>
+  </p:transition>
 </p:sld>
 </file>
 
@@ -7926,6 +7947,9 @@
   <p:clrMapOvr>
     <a:overrideClrMapping bg1="dk1" tx1="lt1" bg2="dk2" tx2="lt2" accent1="accent1" accent2="accent2" accent3="accent3" accent4="accent4" accent5="accent5" accent6="accent6" hlink="hlink" folHlink="folHlink"/>
   </p:clrMapOvr>
+  <p:transition spd="med">
+    <p:pull/>
+  </p:transition>
 </p:sld>
 </file>
 
@@ -8684,6 +8708,9 @@
   <p:clrMapOvr>
     <a:overrideClrMapping bg1="dk1" tx1="lt1" bg2="dk2" tx2="lt2" accent1="accent1" accent2="accent2" accent3="accent3" accent4="accent4" accent5="accent5" accent6="accent6" hlink="hlink" folHlink="folHlink"/>
   </p:clrMapOvr>
+  <p:transition spd="slow">
+    <p:wipe/>
+  </p:transition>
 </p:sld>
 </file>
 
@@ -9143,6 +9170,9 @@
   <p:clrMapOvr>
     <a:masterClrMapping/>
   </p:clrMapOvr>
+  <p:transition spd="slow">
+    <p:cover/>
+  </p:transition>
 </p:sld>
 </file>
 
@@ -9792,6 +9822,9 @@
   <p:clrMapOvr>
     <a:masterClrMapping/>
   </p:clrMapOvr>
+  <p:transition spd="slow">
+    <p:push dir="u"/>
+  </p:transition>
 </p:sld>
 </file>
 
@@ -10300,6 +10333,18 @@
   <p:clrMapOvr>
     <a:overrideClrMapping bg1="dk1" tx1="lt1" bg2="dk2" tx2="lt2" accent1="accent1" accent2="accent2" accent3="accent3" accent4="accent4" accent5="accent5" accent6="accent6" hlink="hlink" folHlink="folHlink"/>
   </p:clrMapOvr>
+  <mc:AlternateContent xmlns:mc="http://schemas.openxmlformats.org/markup-compatibility/2006">
+    <mc:Choice xmlns:p159="http://schemas.microsoft.com/office/powerpoint/2015/09/main" Requires="p159">
+      <p:transition xmlns:p14="http://schemas.microsoft.com/office/powerpoint/2010/main" spd="slow" p14:dur="2000">
+        <p159:morph option="byObject"/>
+      </p:transition>
+    </mc:Choice>
+    <mc:Fallback>
+      <p:transition spd="slow">
+        <p:fade/>
+      </p:transition>
+    </mc:Fallback>
+  </mc:AlternateContent>
 </p:sld>
 </file>
 
